--- a/docs/presentation/ICT151-120_Presentation.pptx
+++ b/docs/presentation/ICT151-120_Presentation.pptx
@@ -5,21 +5,25 @@
     <p:sldMasterId id="2147483894" r:id="rId1"/>
   </p:sldMasterIdLst>
   <p:notesMasterIdLst>
-    <p:notesMasterId r:id="rId14"/>
+    <p:notesMasterId r:id="rId18"/>
   </p:notesMasterIdLst>
   <p:sldIdLst>
     <p:sldId id="256" r:id="rId2"/>
-    <p:sldId id="257" r:id="rId3"/>
-    <p:sldId id="258" r:id="rId4"/>
-    <p:sldId id="259" r:id="rId5"/>
-    <p:sldId id="261" r:id="rId6"/>
-    <p:sldId id="260" r:id="rId7"/>
-    <p:sldId id="263" r:id="rId8"/>
-    <p:sldId id="266" r:id="rId9"/>
-    <p:sldId id="264" r:id="rId10"/>
-    <p:sldId id="265" r:id="rId11"/>
-    <p:sldId id="267" r:id="rId12"/>
-    <p:sldId id="262" r:id="rId13"/>
+    <p:sldId id="267" r:id="rId3"/>
+    <p:sldId id="257" r:id="rId4"/>
+    <p:sldId id="258" r:id="rId5"/>
+    <p:sldId id="259" r:id="rId6"/>
+    <p:sldId id="261" r:id="rId7"/>
+    <p:sldId id="260" r:id="rId8"/>
+    <p:sldId id="263" r:id="rId9"/>
+    <p:sldId id="266" r:id="rId10"/>
+    <p:sldId id="264" r:id="rId11"/>
+    <p:sldId id="265" r:id="rId12"/>
+    <p:sldId id="268" r:id="rId13"/>
+    <p:sldId id="269" r:id="rId14"/>
+    <p:sldId id="270" r:id="rId15"/>
+    <p:sldId id="271" r:id="rId16"/>
+    <p:sldId id="262" r:id="rId17"/>
   </p:sldIdLst>
   <p:sldSz cx="12192000" cy="6858000"/>
   <p:notesSz cx="6858000" cy="9144000"/>
@@ -208,7 +212,7 @@
           <a:p>
             <a:fld id="{B836E93B-A035-4DFB-8DCC-C24EC48255DB}" type="datetimeFigureOut">
               <a:rPr lang="fr-CH" smtClean="0"/>
-              <a:t>10.02.2021</a:t>
+              <a:t>11.02.2021</a:t>
             </a:fld>
             <a:endParaRPr lang="fr-CH"/>
           </a:p>
@@ -541,7 +545,7 @@
           <a:p>
             <a:fld id="{D9E24598-F955-4142-BB9E-A1F14540F607}" type="slidenum">
               <a:rPr lang="fr-CH" smtClean="0"/>
-              <a:t>5</a:t>
+              <a:t>6</a:t>
             </a:fld>
             <a:endParaRPr lang="fr-CH"/>
           </a:p>
@@ -633,7 +637,7 @@
           <a:p>
             <a:fld id="{D9E24598-F955-4142-BB9E-A1F14540F607}" type="slidenum">
               <a:rPr lang="fr-CH" smtClean="0"/>
-              <a:t>8</a:t>
+              <a:t>9</a:t>
             </a:fld>
             <a:endParaRPr lang="fr-CH"/>
           </a:p>
@@ -876,7 +880,7 @@
           <a:p>
             <a:fld id="{6CF29B66-0393-48BE-83F4-966B9AADB942}" type="datetime1">
               <a:rPr lang="fr-CH" smtClean="0"/>
-              <a:t>10.02.2021</a:t>
+              <a:t>11.02.2021</a:t>
             </a:fld>
             <a:endParaRPr lang="fr-CH"/>
           </a:p>
@@ -1046,7 +1050,7 @@
           <a:p>
             <a:fld id="{E97CB67A-7EEB-4405-9D5F-AB199B9C799E}" type="datetime1">
               <a:rPr lang="fr-CH" smtClean="0"/>
-              <a:t>10.02.2021</a:t>
+              <a:t>11.02.2021</a:t>
             </a:fld>
             <a:endParaRPr lang="fr-CH"/>
           </a:p>
@@ -1226,7 +1230,7 @@
           <a:p>
             <a:fld id="{92C196F8-3132-4DF8-AD2F-B9D052A9BCE9}" type="datetime1">
               <a:rPr lang="fr-CH" smtClean="0"/>
-              <a:t>10.02.2021</a:t>
+              <a:t>11.02.2021</a:t>
             </a:fld>
             <a:endParaRPr lang="fr-CH"/>
           </a:p>
@@ -1396,7 +1400,7 @@
           <a:p>
             <a:fld id="{14593292-3319-4B28-BABE-8FCA5DE74A19}" type="datetime1">
               <a:rPr lang="fr-CH" smtClean="0"/>
-              <a:t>10.02.2021</a:t>
+              <a:t>11.02.2021</a:t>
             </a:fld>
             <a:endParaRPr lang="fr-CH"/>
           </a:p>
@@ -1654,7 +1658,7 @@
           <a:p>
             <a:fld id="{2D3E0096-0500-4C1F-841C-FFBC9D37550B}" type="datetime1">
               <a:rPr lang="fr-CH" smtClean="0"/>
-              <a:t>10.02.2021</a:t>
+              <a:t>11.02.2021</a:t>
             </a:fld>
             <a:endParaRPr lang="fr-CH"/>
           </a:p>
@@ -1942,7 +1946,7 @@
           <a:p>
             <a:fld id="{05B601F2-C442-47E0-A573-0DD39651172B}" type="datetime1">
               <a:rPr lang="fr-CH" smtClean="0"/>
-              <a:t>10.02.2021</a:t>
+              <a:t>11.02.2021</a:t>
             </a:fld>
             <a:endParaRPr lang="fr-CH"/>
           </a:p>
@@ -2384,7 +2388,7 @@
           <a:p>
             <a:fld id="{BA4E87D7-406D-4A7A-939B-946A35BD9899}" type="datetime1">
               <a:rPr lang="fr-CH" smtClean="0"/>
-              <a:t>10.02.2021</a:t>
+              <a:t>11.02.2021</a:t>
             </a:fld>
             <a:endParaRPr lang="fr-CH"/>
           </a:p>
@@ -2502,7 +2506,7 @@
           <a:p>
             <a:fld id="{2F49289D-95C9-45D9-976A-827CC9FC3804}" type="datetime1">
               <a:rPr lang="fr-CH" smtClean="0"/>
-              <a:t>10.02.2021</a:t>
+              <a:t>11.02.2021</a:t>
             </a:fld>
             <a:endParaRPr lang="fr-CH"/>
           </a:p>
@@ -2597,7 +2601,7 @@
           <a:p>
             <a:fld id="{F3981838-E456-4712-8B28-15F8524575AF}" type="datetime1">
               <a:rPr lang="fr-CH" smtClean="0"/>
-              <a:t>10.02.2021</a:t>
+              <a:t>11.02.2021</a:t>
             </a:fld>
             <a:endParaRPr lang="fr-CH"/>
           </a:p>
@@ -2885,7 +2889,7 @@
           <a:p>
             <a:fld id="{3EB7D806-385C-4617-B0D9-5EE375F522A9}" type="datetime1">
               <a:rPr lang="fr-CH" smtClean="0"/>
-              <a:t>10.02.2021</a:t>
+              <a:t>11.02.2021</a:t>
             </a:fld>
             <a:endParaRPr lang="fr-CH"/>
           </a:p>
@@ -3158,7 +3162,7 @@
           <a:p>
             <a:fld id="{B4945529-ECD3-4346-9BE2-B3CF2CFDA288}" type="datetime1">
               <a:rPr lang="fr-CH" smtClean="0"/>
-              <a:t>10.02.2021</a:t>
+              <a:t>11.02.2021</a:t>
             </a:fld>
             <a:endParaRPr lang="fr-CH"/>
           </a:p>
@@ -3455,7 +3459,7 @@
           <a:p>
             <a:fld id="{84A822E1-BA00-4644-A6A2-46463D34DE28}" type="datetime1">
               <a:rPr lang="fr-CH" smtClean="0"/>
-              <a:t>10.02.2021</a:t>
+              <a:t>11.02.2021</a:t>
             </a:fld>
             <a:endParaRPr lang="fr-CH"/>
           </a:p>
@@ -4064,7 +4068,7 @@
           <p:cNvPr id="2" name="Titre 1">
             <a:extLst>
               <a:ext uri="{FF2B5EF4-FFF2-40B4-BE49-F238E27FC236}">
-                <a16:creationId xmlns:a16="http://schemas.microsoft.com/office/drawing/2014/main" id="{B0428E9B-1983-40C8-AEE5-3757874C3C2C}"/>
+                <a16:creationId xmlns:a16="http://schemas.microsoft.com/office/drawing/2014/main" id="{5C835713-A570-4A34-8A41-EDDDA915D120}"/>
               </a:ext>
             </a:extLst>
           </p:cNvPr>
@@ -4075,14 +4079,19 @@
             <p:ph type="title"/>
           </p:nvPr>
         </p:nvSpPr>
-        <p:spPr/>
-        <p:txBody>
-          <a:bodyPr/>
-          <a:lstStyle/>
-          <a:p>
-            <a:r>
-              <a:rPr lang="fr-CH" dirty="0"/>
-              <a:t>Architecture Front-End</a:t>
+        <p:spPr>
+          <a:xfrm>
+            <a:off x="127412" y="1128408"/>
+            <a:ext cx="3171599" cy="4601183"/>
+          </a:xfrm>
+        </p:spPr>
+        <p:txBody>
+          <a:bodyPr/>
+          <a:lstStyle/>
+          <a:p>
+            <a:r>
+              <a:rPr lang="fr-CH" dirty="0"/>
+              <a:t>Authentification</a:t>
             </a:r>
           </a:p>
         </p:txBody>
@@ -4092,7 +4101,7 @@
           <p:cNvPr id="3" name="Espace réservé du contenu 2">
             <a:extLst>
               <a:ext uri="{FF2B5EF4-FFF2-40B4-BE49-F238E27FC236}">
-                <a16:creationId xmlns:a16="http://schemas.microsoft.com/office/drawing/2014/main" id="{804DD13E-FF85-4671-8C23-FC5686AA1ED0}"/>
+                <a16:creationId xmlns:a16="http://schemas.microsoft.com/office/drawing/2014/main" id="{1364CACD-13AC-4BBC-ACA6-28DD44372C92}"/>
               </a:ext>
             </a:extLst>
           </p:cNvPr>
@@ -4109,62 +4118,29 @@
           <a:lstStyle/>
           <a:p>
             <a:r>
+              <a:rPr lang="fr-CH" dirty="0"/>
+              <a:t>Authentification à l’aide d’un </a:t>
+            </a:r>
+            <a:r>
               <a:rPr lang="fr-CH" dirty="0" err="1"/>
-              <a:t>Auth</a:t>
-            </a:r>
-            <a:r>
-              <a:rPr lang="fr-CH" dirty="0"/>
-              <a:t>: composants, servies et </a:t>
-            </a:r>
+              <a:t>Token</a:t>
+            </a:r>
+            <a:endParaRPr lang="fr-CH" dirty="0"/>
+          </a:p>
+          <a:p>
+            <a:r>
+              <a:rPr lang="fr-CH" dirty="0"/>
+              <a:t>Claims (Back-End)</a:t>
+            </a:r>
+          </a:p>
+          <a:p>
             <a:r>
               <a:rPr lang="fr-CH" dirty="0" err="1"/>
-              <a:t>models</a:t>
-            </a:r>
-            <a:r>
-              <a:rPr lang="fr-CH" dirty="0"/>
-              <a:t> relatif à l’authentification.</a:t>
-            </a:r>
-          </a:p>
-          <a:p>
-            <a:r>
-              <a:rPr lang="fr-CH" dirty="0" err="1"/>
-              <a:t>Feed</a:t>
-            </a:r>
-            <a:r>
-              <a:rPr lang="fr-CH" dirty="0"/>
-              <a:t>: composants et services permettant d’afficher une liste de publications.</a:t>
-            </a:r>
-          </a:p>
-          <a:p>
-            <a:r>
-              <a:rPr lang="fr-CH" dirty="0" err="1"/>
-              <a:t>Guards</a:t>
-            </a:r>
-            <a:r>
-              <a:rPr lang="fr-CH" dirty="0"/>
-              <a:t>: </a:t>
-            </a:r>
-            <a:r>
-              <a:rPr lang="fr-CH" dirty="0" err="1"/>
-              <a:t>guards</a:t>
-            </a:r>
-            <a:r>
-              <a:rPr lang="fr-CH" dirty="0"/>
-              <a:t> permettant de gérer l’accès à certaines routes.</a:t>
-            </a:r>
-          </a:p>
-          <a:p>
-            <a:r>
-              <a:rPr lang="fr-CH" dirty="0"/>
-              <a:t>Home: composant principale (page d’</a:t>
-            </a:r>
-            <a:r>
-              <a:rPr lang="fr-CH" dirty="0" err="1"/>
-              <a:t>acceuil</a:t>
-            </a:r>
-            <a:r>
-              <a:rPr lang="fr-CH" dirty="0"/>
-              <a:t>)</a:t>
+              <a:t>Interceptor</a:t>
+            </a:r>
+            <a:r>
+              <a:rPr lang="fr-CH" dirty="0"/>
+              <a:t> (Front-End)</a:t>
             </a:r>
           </a:p>
         </p:txBody>
@@ -4174,7 +4150,7 @@
           <p:cNvPr id="4" name="Espace réservé du numéro de diapositive 3">
             <a:extLst>
               <a:ext uri="{FF2B5EF4-FFF2-40B4-BE49-F238E27FC236}">
-                <a16:creationId xmlns:a16="http://schemas.microsoft.com/office/drawing/2014/main" id="{221E4331-8371-4B9A-9915-B6035994BD2E}"/>
+                <a16:creationId xmlns:a16="http://schemas.microsoft.com/office/drawing/2014/main" id="{9FEA9D18-760E-4A61-AAF8-D1B90B52D006}"/>
               </a:ext>
             </a:extLst>
           </p:cNvPr>
@@ -4201,7 +4177,7 @@
     </p:spTree>
     <p:extLst>
       <p:ext uri="{BB962C8B-B14F-4D97-AF65-F5344CB8AC3E}">
-        <p14:creationId xmlns:p14="http://schemas.microsoft.com/office/powerpoint/2010/main" val="991915956"/>
+        <p14:creationId xmlns:p14="http://schemas.microsoft.com/office/powerpoint/2010/main" val="29690006"/>
       </p:ext>
     </p:extLst>
   </p:cSld>
@@ -4233,7 +4209,7 @@
           <p:cNvPr id="2" name="Titre 1">
             <a:extLst>
               <a:ext uri="{FF2B5EF4-FFF2-40B4-BE49-F238E27FC236}">
-                <a16:creationId xmlns:a16="http://schemas.microsoft.com/office/drawing/2014/main" id="{2602992E-04C1-4438-987C-4070131C7ACB}"/>
+                <a16:creationId xmlns:a16="http://schemas.microsoft.com/office/drawing/2014/main" id="{B0428E9B-1983-40C8-AEE5-3757874C3C2C}"/>
               </a:ext>
             </a:extLst>
           </p:cNvPr>
@@ -4251,7 +4227,7 @@
           <a:p>
             <a:r>
               <a:rPr lang="fr-CH" dirty="0"/>
-              <a:t>Architecture Front-End 2</a:t>
+              <a:t>Architecture Front-End</a:t>
             </a:r>
           </a:p>
         </p:txBody>
@@ -4261,7 +4237,7 @@
           <p:cNvPr id="3" name="Espace réservé du contenu 2">
             <a:extLst>
               <a:ext uri="{FF2B5EF4-FFF2-40B4-BE49-F238E27FC236}">
-                <a16:creationId xmlns:a16="http://schemas.microsoft.com/office/drawing/2014/main" id="{D38D5D8B-2C42-44AE-900A-69A60A439BBF}"/>
+                <a16:creationId xmlns:a16="http://schemas.microsoft.com/office/drawing/2014/main" id="{804DD13E-FF85-4671-8C23-FC5686AA1ED0}"/>
               </a:ext>
             </a:extLst>
           </p:cNvPr>
@@ -4278,81 +4254,60 @@
           <a:lstStyle/>
           <a:p>
             <a:r>
+              <a:rPr lang="fr-CH" dirty="0"/>
+              <a:t>/home : Page d’accueil</a:t>
+            </a:r>
+          </a:p>
+          <a:p>
+            <a:r>
+              <a:rPr lang="fr-CH" dirty="0"/>
+              <a:t>/u/{identifier} : Page d’un utilisateur</a:t>
+            </a:r>
+          </a:p>
+          <a:p>
+            <a:r>
+              <a:rPr lang="fr-CH" dirty="0"/>
+              <a:t>/u/</a:t>
+            </a:r>
+            <a:r>
               <a:rPr lang="fr-CH" dirty="0" err="1"/>
-              <a:t>HtmlAddons</a:t>
-            </a:r>
-            <a:r>
-              <a:rPr lang="fr-CH" dirty="0"/>
-              <a:t>: composants utilitaires (non utilisé au final)</a:t>
-            </a:r>
-          </a:p>
-          <a:p>
+              <a:t>edit</a:t>
+            </a:r>
+            <a:r>
+              <a:rPr lang="fr-CH" dirty="0"/>
+              <a:t> : Edition de l’utilisateur</a:t>
+            </a:r>
+          </a:p>
+          <a:p>
+            <a:r>
+              <a:rPr lang="fr-CH" dirty="0"/>
+              <a:t>/publication/{id}</a:t>
+            </a:r>
+          </a:p>
+          <a:p>
+            <a:r>
+              <a:rPr lang="fr-CH" dirty="0"/>
+              <a:t>/publication/new</a:t>
+            </a:r>
+          </a:p>
+          <a:p>
+            <a:r>
+              <a:rPr lang="fr-CH" dirty="0"/>
+              <a:t>/login, /</a:t>
+            </a:r>
             <a:r>
               <a:rPr lang="fr-CH" dirty="0" err="1"/>
-              <a:t>HttpInterceptors</a:t>
-            </a:r>
-            <a:r>
-              <a:rPr lang="fr-CH" dirty="0"/>
-              <a:t>: intercepteurs HTTP pour l’authentification.</a:t>
-            </a:r>
-          </a:p>
-          <a:p>
-            <a:r>
-              <a:rPr lang="fr-CH" dirty="0"/>
-              <a:t>Publication: composants, services et </a:t>
+              <a:t>signup</a:t>
+            </a:r>
+            <a:r>
+              <a:rPr lang="fr-CH" dirty="0"/>
+              <a:t>, /</a:t>
             </a:r>
             <a:r>
               <a:rPr lang="fr-CH" dirty="0" err="1"/>
-              <a:t>models</a:t>
-            </a:r>
-            <a:r>
-              <a:rPr lang="fr-CH" dirty="0"/>
-              <a:t> pour les publications.</a:t>
-            </a:r>
-          </a:p>
-          <a:p>
-            <a:r>
-              <a:rPr lang="fr-CH" dirty="0"/>
-              <a:t>Services: services généraux (</a:t>
-            </a:r>
-            <a:r>
-              <a:rPr lang="fr-CH" dirty="0" err="1"/>
-              <a:t>APIService</a:t>
-            </a:r>
-            <a:r>
-              <a:rPr lang="fr-CH" dirty="0"/>
-              <a:t>, </a:t>
-            </a:r>
-            <a:r>
-              <a:rPr lang="fr-CH" dirty="0" err="1"/>
-              <a:t>GlobalAppEvents</a:t>
-            </a:r>
-            <a:r>
-              <a:rPr lang="fr-CH" dirty="0"/>
-              <a:t>, </a:t>
-            </a:r>
-            <a:r>
-              <a:rPr lang="fr-CH" dirty="0" err="1"/>
-              <a:t>etc</a:t>
-            </a:r>
-            <a:r>
-              <a:rPr lang="fr-CH" dirty="0"/>
-              <a:t>)</a:t>
-            </a:r>
-          </a:p>
-          <a:p>
-            <a:r>
-              <a:rPr lang="fr-CH" dirty="0"/>
-              <a:t>User: composants, services et </a:t>
-            </a:r>
-            <a:r>
-              <a:rPr lang="fr-CH" dirty="0" err="1"/>
-              <a:t>models</a:t>
-            </a:r>
-            <a:r>
-              <a:rPr lang="fr-CH" dirty="0"/>
-              <a:t> pour la gestion de l’user.</a:t>
-            </a:r>
+              <a:t>logout</a:t>
+            </a:r>
+            <a:endParaRPr lang="fr-CH" dirty="0"/>
           </a:p>
         </p:txBody>
       </p:sp>
@@ -4361,7 +4316,7 @@
           <p:cNvPr id="4" name="Espace réservé du numéro de diapositive 3">
             <a:extLst>
               <a:ext uri="{FF2B5EF4-FFF2-40B4-BE49-F238E27FC236}">
-                <a16:creationId xmlns:a16="http://schemas.microsoft.com/office/drawing/2014/main" id="{D1BA099A-6F70-4D2F-9CCC-A22959C977D0}"/>
+                <a16:creationId xmlns:a16="http://schemas.microsoft.com/office/drawing/2014/main" id="{221E4331-8371-4B9A-9915-B6035994BD2E}"/>
               </a:ext>
             </a:extLst>
           </p:cNvPr>
@@ -4388,7 +4343,7 @@
     </p:spTree>
     <p:extLst>
       <p:ext uri="{BB962C8B-B14F-4D97-AF65-F5344CB8AC3E}">
-        <p14:creationId xmlns:p14="http://schemas.microsoft.com/office/powerpoint/2010/main" val="1431522105"/>
+        <p14:creationId xmlns:p14="http://schemas.microsoft.com/office/powerpoint/2010/main" val="991915956"/>
       </p:ext>
     </p:extLst>
   </p:cSld>
@@ -4420,6 +4375,570 @@
           <p:cNvPr id="2" name="Titre 1">
             <a:extLst>
               <a:ext uri="{FF2B5EF4-FFF2-40B4-BE49-F238E27FC236}">
+                <a16:creationId xmlns:a16="http://schemas.microsoft.com/office/drawing/2014/main" id="{CC730F89-BF54-48E0-AB91-0658FEB2F409}"/>
+              </a:ext>
+            </a:extLst>
+          </p:cNvPr>
+          <p:cNvSpPr>
+            <a:spLocks noGrp="1"/>
+          </p:cNvSpPr>
+          <p:nvPr>
+            <p:ph type="title"/>
+          </p:nvPr>
+        </p:nvSpPr>
+        <p:spPr/>
+        <p:txBody>
+          <a:bodyPr/>
+          <a:lstStyle/>
+          <a:p>
+            <a:r>
+              <a:rPr lang="fr-CH" dirty="0"/>
+              <a:t>Modules</a:t>
+            </a:r>
+          </a:p>
+        </p:txBody>
+      </p:sp>
+      <p:sp>
+        <p:nvSpPr>
+          <p:cNvPr id="3" name="Espace réservé du contenu 2">
+            <a:extLst>
+              <a:ext uri="{FF2B5EF4-FFF2-40B4-BE49-F238E27FC236}">
+                <a16:creationId xmlns:a16="http://schemas.microsoft.com/office/drawing/2014/main" id="{635A3468-7584-4EE6-9CE8-C403352E0E7D}"/>
+              </a:ext>
+            </a:extLst>
+          </p:cNvPr>
+          <p:cNvSpPr>
+            <a:spLocks noGrp="1"/>
+          </p:cNvSpPr>
+          <p:nvPr>
+            <p:ph idx="1"/>
+          </p:nvPr>
+        </p:nvSpPr>
+        <p:spPr/>
+        <p:txBody>
+          <a:bodyPr/>
+          <a:lstStyle/>
+          <a:p>
+            <a:r>
+              <a:rPr lang="fr-CH" dirty="0" err="1"/>
+              <a:t>Auth</a:t>
+            </a:r>
+            <a:endParaRPr lang="fr-CH" dirty="0"/>
+          </a:p>
+          <a:p>
+            <a:r>
+              <a:rPr lang="fr-CH" dirty="0" err="1"/>
+              <a:t>Feed</a:t>
+            </a:r>
+            <a:endParaRPr lang="fr-CH" dirty="0"/>
+          </a:p>
+          <a:p>
+            <a:r>
+              <a:rPr lang="fr-CH" dirty="0"/>
+              <a:t>Home</a:t>
+            </a:r>
+          </a:p>
+          <a:p>
+            <a:r>
+              <a:rPr lang="fr-CH" dirty="0" err="1"/>
+              <a:t>HtmlAddons</a:t>
+            </a:r>
+            <a:endParaRPr lang="fr-CH" dirty="0"/>
+          </a:p>
+          <a:p>
+            <a:r>
+              <a:rPr lang="fr-CH" dirty="0" err="1"/>
+              <a:t>MainComponents</a:t>
+            </a:r>
+            <a:endParaRPr lang="fr-CH" dirty="0"/>
+          </a:p>
+          <a:p>
+            <a:r>
+              <a:rPr lang="fr-CH" dirty="0"/>
+              <a:t>Media</a:t>
+            </a:r>
+          </a:p>
+          <a:p>
+            <a:r>
+              <a:rPr lang="fr-CH" dirty="0"/>
+              <a:t>Publication</a:t>
+            </a:r>
+          </a:p>
+          <a:p>
+            <a:r>
+              <a:rPr lang="fr-CH" dirty="0"/>
+              <a:t>Services</a:t>
+            </a:r>
+          </a:p>
+          <a:p>
+            <a:r>
+              <a:rPr lang="fr-CH" dirty="0"/>
+              <a:t>User</a:t>
+            </a:r>
+          </a:p>
+        </p:txBody>
+      </p:sp>
+      <p:sp>
+        <p:nvSpPr>
+          <p:cNvPr id="4" name="Espace réservé du numéro de diapositive 3">
+            <a:extLst>
+              <a:ext uri="{FF2B5EF4-FFF2-40B4-BE49-F238E27FC236}">
+                <a16:creationId xmlns:a16="http://schemas.microsoft.com/office/drawing/2014/main" id="{A5706D36-2EB9-4465-BEDC-43DAFA80C9F0}"/>
+              </a:ext>
+            </a:extLst>
+          </p:cNvPr>
+          <p:cNvSpPr>
+            <a:spLocks noGrp="1"/>
+          </p:cNvSpPr>
+          <p:nvPr>
+            <p:ph type="sldNum" sz="quarter" idx="12"/>
+          </p:nvPr>
+        </p:nvSpPr>
+        <p:spPr/>
+        <p:txBody>
+          <a:bodyPr/>
+          <a:lstStyle/>
+          <a:p>
+            <a:fld id="{E720CDEB-3652-4CF0-8D21-F26437BE7315}" type="slidenum">
+              <a:rPr lang="fr-CH" smtClean="0"/>
+              <a:t>12</a:t>
+            </a:fld>
+            <a:endParaRPr lang="fr-CH"/>
+          </a:p>
+        </p:txBody>
+      </p:sp>
+    </p:spTree>
+    <p:extLst>
+      <p:ext uri="{BB962C8B-B14F-4D97-AF65-F5344CB8AC3E}">
+        <p14:creationId xmlns:p14="http://schemas.microsoft.com/office/powerpoint/2010/main" val="1125901341"/>
+      </p:ext>
+    </p:extLst>
+  </p:cSld>
+  <p:clrMapOvr>
+    <a:masterClrMapping/>
+  </p:clrMapOvr>
+</p:sld>
+</file>
+
+<file path=ppt/slides/slide13.xml><?xml version="1.0" encoding="utf-8"?>
+<p:sld xmlns:a="http://schemas.openxmlformats.org/drawingml/2006/main" xmlns:r="http://schemas.openxmlformats.org/officeDocument/2006/relationships" xmlns:p="http://schemas.openxmlformats.org/presentationml/2006/main">
+  <p:cSld>
+    <p:spTree>
+      <p:nvGrpSpPr>
+        <p:cNvPr id="1" name=""/>
+        <p:cNvGrpSpPr/>
+        <p:nvPr/>
+      </p:nvGrpSpPr>
+      <p:grpSpPr>
+        <a:xfrm>
+          <a:off x="0" y="0"/>
+          <a:ext cx="0" cy="0"/>
+          <a:chOff x="0" y="0"/>
+          <a:chExt cx="0" cy="0"/>
+        </a:xfrm>
+      </p:grpSpPr>
+      <p:sp>
+        <p:nvSpPr>
+          <p:cNvPr id="2" name="Titre 1">
+            <a:extLst>
+              <a:ext uri="{FF2B5EF4-FFF2-40B4-BE49-F238E27FC236}">
+                <a16:creationId xmlns:a16="http://schemas.microsoft.com/office/drawing/2014/main" id="{F3F281E5-5084-4198-996A-85E5F7FFA657}"/>
+              </a:ext>
+            </a:extLst>
+          </p:cNvPr>
+          <p:cNvSpPr>
+            <a:spLocks noGrp="1"/>
+          </p:cNvSpPr>
+          <p:nvPr>
+            <p:ph type="title"/>
+          </p:nvPr>
+        </p:nvSpPr>
+        <p:spPr/>
+        <p:txBody>
+          <a:bodyPr/>
+          <a:lstStyle/>
+          <a:p>
+            <a:r>
+              <a:rPr lang="fr-CH" dirty="0" err="1"/>
+              <a:t>Guards</a:t>
+            </a:r>
+            <a:endParaRPr lang="fr-CH" dirty="0"/>
+          </a:p>
+        </p:txBody>
+      </p:sp>
+      <p:sp>
+        <p:nvSpPr>
+          <p:cNvPr id="3" name="Espace réservé du contenu 2">
+            <a:extLst>
+              <a:ext uri="{FF2B5EF4-FFF2-40B4-BE49-F238E27FC236}">
+                <a16:creationId xmlns:a16="http://schemas.microsoft.com/office/drawing/2014/main" id="{4305DED3-011B-47BB-8215-F58684EA0F9E}"/>
+              </a:ext>
+            </a:extLst>
+          </p:cNvPr>
+          <p:cNvSpPr>
+            <a:spLocks noGrp="1"/>
+          </p:cNvSpPr>
+          <p:nvPr>
+            <p:ph idx="1"/>
+          </p:nvPr>
+        </p:nvSpPr>
+        <p:spPr/>
+        <p:txBody>
+          <a:bodyPr/>
+          <a:lstStyle/>
+          <a:p>
+            <a:r>
+              <a:rPr lang="fr-CH" dirty="0" err="1"/>
+              <a:t>AuthenticationGuard</a:t>
+            </a:r>
+            <a:endParaRPr lang="fr-CH" dirty="0"/>
+          </a:p>
+        </p:txBody>
+      </p:sp>
+      <p:sp>
+        <p:nvSpPr>
+          <p:cNvPr id="4" name="Espace réservé du numéro de diapositive 3">
+            <a:extLst>
+              <a:ext uri="{FF2B5EF4-FFF2-40B4-BE49-F238E27FC236}">
+                <a16:creationId xmlns:a16="http://schemas.microsoft.com/office/drawing/2014/main" id="{5D8F7E95-0BDD-41CC-A157-A955139668F7}"/>
+              </a:ext>
+            </a:extLst>
+          </p:cNvPr>
+          <p:cNvSpPr>
+            <a:spLocks noGrp="1"/>
+          </p:cNvSpPr>
+          <p:nvPr>
+            <p:ph type="sldNum" sz="quarter" idx="12"/>
+          </p:nvPr>
+        </p:nvSpPr>
+        <p:spPr/>
+        <p:txBody>
+          <a:bodyPr/>
+          <a:lstStyle/>
+          <a:p>
+            <a:fld id="{E720CDEB-3652-4CF0-8D21-F26437BE7315}" type="slidenum">
+              <a:rPr lang="fr-CH" smtClean="0"/>
+              <a:t>13</a:t>
+            </a:fld>
+            <a:endParaRPr lang="fr-CH"/>
+          </a:p>
+        </p:txBody>
+      </p:sp>
+    </p:spTree>
+    <p:extLst>
+      <p:ext uri="{BB962C8B-B14F-4D97-AF65-F5344CB8AC3E}">
+        <p14:creationId xmlns:p14="http://schemas.microsoft.com/office/powerpoint/2010/main" val="347494065"/>
+      </p:ext>
+    </p:extLst>
+  </p:cSld>
+  <p:clrMapOvr>
+    <a:masterClrMapping/>
+  </p:clrMapOvr>
+</p:sld>
+</file>
+
+<file path=ppt/slides/slide14.xml><?xml version="1.0" encoding="utf-8"?>
+<p:sld xmlns:a="http://schemas.openxmlformats.org/drawingml/2006/main" xmlns:r="http://schemas.openxmlformats.org/officeDocument/2006/relationships" xmlns:p="http://schemas.openxmlformats.org/presentationml/2006/main">
+  <p:cSld>
+    <p:spTree>
+      <p:nvGrpSpPr>
+        <p:cNvPr id="1" name=""/>
+        <p:cNvGrpSpPr/>
+        <p:nvPr/>
+      </p:nvGrpSpPr>
+      <p:grpSpPr>
+        <a:xfrm>
+          <a:off x="0" y="0"/>
+          <a:ext cx="0" cy="0"/>
+          <a:chOff x="0" y="0"/>
+          <a:chExt cx="0" cy="0"/>
+        </a:xfrm>
+      </p:grpSpPr>
+      <p:sp>
+        <p:nvSpPr>
+          <p:cNvPr id="2" name="Titre 1">
+            <a:extLst>
+              <a:ext uri="{FF2B5EF4-FFF2-40B4-BE49-F238E27FC236}">
+                <a16:creationId xmlns:a16="http://schemas.microsoft.com/office/drawing/2014/main" id="{C70FDE49-332C-4F7F-8B62-5BD5DA5D2114}"/>
+              </a:ext>
+            </a:extLst>
+          </p:cNvPr>
+          <p:cNvSpPr>
+            <a:spLocks noGrp="1"/>
+          </p:cNvSpPr>
+          <p:nvPr>
+            <p:ph type="title"/>
+          </p:nvPr>
+        </p:nvSpPr>
+        <p:spPr/>
+        <p:txBody>
+          <a:bodyPr/>
+          <a:lstStyle/>
+          <a:p>
+            <a:r>
+              <a:rPr lang="fr-CH" dirty="0"/>
+              <a:t>Services globaux</a:t>
+            </a:r>
+          </a:p>
+        </p:txBody>
+      </p:sp>
+      <p:sp>
+        <p:nvSpPr>
+          <p:cNvPr id="3" name="Espace réservé du contenu 2">
+            <a:extLst>
+              <a:ext uri="{FF2B5EF4-FFF2-40B4-BE49-F238E27FC236}">
+                <a16:creationId xmlns:a16="http://schemas.microsoft.com/office/drawing/2014/main" id="{E05FF787-51FE-4538-8515-719F837E92A1}"/>
+              </a:ext>
+            </a:extLst>
+          </p:cNvPr>
+          <p:cNvSpPr>
+            <a:spLocks noGrp="1"/>
+          </p:cNvSpPr>
+          <p:nvPr>
+            <p:ph idx="1"/>
+          </p:nvPr>
+        </p:nvSpPr>
+        <p:spPr/>
+        <p:txBody>
+          <a:bodyPr/>
+          <a:lstStyle/>
+          <a:p>
+            <a:r>
+              <a:rPr lang="fr-CH" dirty="0" err="1"/>
+              <a:t>ApiService</a:t>
+            </a:r>
+            <a:endParaRPr lang="fr-CH" dirty="0"/>
+          </a:p>
+          <a:p>
+            <a:r>
+              <a:rPr lang="fr-CH" dirty="0" err="1"/>
+              <a:t>GlobalAppEvents</a:t>
+            </a:r>
+            <a:endParaRPr lang="fr-CH" dirty="0"/>
+          </a:p>
+        </p:txBody>
+      </p:sp>
+      <p:sp>
+        <p:nvSpPr>
+          <p:cNvPr id="4" name="Espace réservé du numéro de diapositive 3">
+            <a:extLst>
+              <a:ext uri="{FF2B5EF4-FFF2-40B4-BE49-F238E27FC236}">
+                <a16:creationId xmlns:a16="http://schemas.microsoft.com/office/drawing/2014/main" id="{F03ED95B-0C2F-460E-B4D3-9D70139B6CE2}"/>
+              </a:ext>
+            </a:extLst>
+          </p:cNvPr>
+          <p:cNvSpPr>
+            <a:spLocks noGrp="1"/>
+          </p:cNvSpPr>
+          <p:nvPr>
+            <p:ph type="sldNum" sz="quarter" idx="12"/>
+          </p:nvPr>
+        </p:nvSpPr>
+        <p:spPr/>
+        <p:txBody>
+          <a:bodyPr/>
+          <a:lstStyle/>
+          <a:p>
+            <a:fld id="{E720CDEB-3652-4CF0-8D21-F26437BE7315}" type="slidenum">
+              <a:rPr lang="fr-CH" smtClean="0"/>
+              <a:t>14</a:t>
+            </a:fld>
+            <a:endParaRPr lang="fr-CH"/>
+          </a:p>
+        </p:txBody>
+      </p:sp>
+    </p:spTree>
+    <p:extLst>
+      <p:ext uri="{BB962C8B-B14F-4D97-AF65-F5344CB8AC3E}">
+        <p14:creationId xmlns:p14="http://schemas.microsoft.com/office/powerpoint/2010/main" val="2579114275"/>
+      </p:ext>
+    </p:extLst>
+  </p:cSld>
+  <p:clrMapOvr>
+    <a:masterClrMapping/>
+  </p:clrMapOvr>
+</p:sld>
+</file>
+
+<file path=ppt/slides/slide15.xml><?xml version="1.0" encoding="utf-8"?>
+<p:sld xmlns:a="http://schemas.openxmlformats.org/drawingml/2006/main" xmlns:r="http://schemas.openxmlformats.org/officeDocument/2006/relationships" xmlns:p="http://schemas.openxmlformats.org/presentationml/2006/main">
+  <p:cSld>
+    <p:spTree>
+      <p:nvGrpSpPr>
+        <p:cNvPr id="1" name=""/>
+        <p:cNvGrpSpPr/>
+        <p:nvPr/>
+      </p:nvGrpSpPr>
+      <p:grpSpPr>
+        <a:xfrm>
+          <a:off x="0" y="0"/>
+          <a:ext cx="0" cy="0"/>
+          <a:chOff x="0" y="0"/>
+          <a:chExt cx="0" cy="0"/>
+        </a:xfrm>
+      </p:grpSpPr>
+      <p:sp>
+        <p:nvSpPr>
+          <p:cNvPr id="2" name="Titre 1">
+            <a:extLst>
+              <a:ext uri="{FF2B5EF4-FFF2-40B4-BE49-F238E27FC236}">
+                <a16:creationId xmlns:a16="http://schemas.microsoft.com/office/drawing/2014/main" id="{4AD2EB3B-5E43-4130-BDD3-94124CAAA9E3}"/>
+              </a:ext>
+            </a:extLst>
+          </p:cNvPr>
+          <p:cNvSpPr>
+            <a:spLocks noGrp="1"/>
+          </p:cNvSpPr>
+          <p:nvPr>
+            <p:ph type="title"/>
+          </p:nvPr>
+        </p:nvSpPr>
+        <p:spPr/>
+        <p:txBody>
+          <a:bodyPr/>
+          <a:lstStyle/>
+          <a:p>
+            <a:r>
+              <a:rPr lang="fr-CH" dirty="0"/>
+              <a:t>Facilités / difficultés rencontrées</a:t>
+            </a:r>
+          </a:p>
+        </p:txBody>
+      </p:sp>
+      <p:sp>
+        <p:nvSpPr>
+          <p:cNvPr id="3" name="Espace réservé du contenu 2">
+            <a:extLst>
+              <a:ext uri="{FF2B5EF4-FFF2-40B4-BE49-F238E27FC236}">
+                <a16:creationId xmlns:a16="http://schemas.microsoft.com/office/drawing/2014/main" id="{588C48D2-2782-44E2-8123-ECB6EB6A16E8}"/>
+              </a:ext>
+            </a:extLst>
+          </p:cNvPr>
+          <p:cNvSpPr>
+            <a:spLocks noGrp="1"/>
+          </p:cNvSpPr>
+          <p:nvPr>
+            <p:ph idx="1"/>
+          </p:nvPr>
+        </p:nvSpPr>
+        <p:spPr/>
+        <p:txBody>
+          <a:bodyPr/>
+          <a:lstStyle/>
+          <a:p>
+            <a:pPr>
+              <a:buFont typeface="Corbel" panose="020B0503020204020204" pitchFamily="34" charset="0"/>
+              <a:buChar char="+"/>
+            </a:pPr>
+            <a:r>
+              <a:rPr lang="fr-CH" dirty="0" err="1"/>
+              <a:t>Angular</a:t>
+            </a:r>
+            <a:r>
+              <a:rPr lang="fr-CH" dirty="0"/>
+              <a:t> </a:t>
+            </a:r>
+            <a:r>
+              <a:rPr lang="fr-CH" dirty="0" err="1"/>
+              <a:t>Material</a:t>
+            </a:r>
+            <a:endParaRPr lang="fr-CH" dirty="0"/>
+          </a:p>
+          <a:p>
+            <a:pPr marL="0" indent="0">
+              <a:buNone/>
+            </a:pPr>
+            <a:endParaRPr lang="fr-CH" dirty="0"/>
+          </a:p>
+          <a:p>
+            <a:pPr>
+              <a:buFont typeface="Corbel" panose="020B0503020204020204" pitchFamily="34" charset="0"/>
+              <a:buChar char="-"/>
+            </a:pPr>
+            <a:r>
+              <a:rPr lang="fr-CH" dirty="0"/>
+              <a:t>JSON </a:t>
+            </a:r>
+            <a:r>
+              <a:rPr lang="fr-CH" dirty="0" err="1"/>
+              <a:t>Parsing</a:t>
+            </a:r>
+            <a:r>
+              <a:rPr lang="fr-CH" dirty="0"/>
+              <a:t> avec </a:t>
+            </a:r>
+            <a:r>
+              <a:rPr lang="fr-CH"/>
+              <a:t>les requêtes HTTP</a:t>
+            </a:r>
+            <a:endParaRPr lang="fr-CH" dirty="0"/>
+          </a:p>
+        </p:txBody>
+      </p:sp>
+      <p:sp>
+        <p:nvSpPr>
+          <p:cNvPr id="4" name="Espace réservé du numéro de diapositive 3">
+            <a:extLst>
+              <a:ext uri="{FF2B5EF4-FFF2-40B4-BE49-F238E27FC236}">
+                <a16:creationId xmlns:a16="http://schemas.microsoft.com/office/drawing/2014/main" id="{6EB50057-84ED-4340-BF01-D8EB5CC0EAB6}"/>
+              </a:ext>
+            </a:extLst>
+          </p:cNvPr>
+          <p:cNvSpPr>
+            <a:spLocks noGrp="1"/>
+          </p:cNvSpPr>
+          <p:nvPr>
+            <p:ph type="sldNum" sz="quarter" idx="12"/>
+          </p:nvPr>
+        </p:nvSpPr>
+        <p:spPr/>
+        <p:txBody>
+          <a:bodyPr/>
+          <a:lstStyle/>
+          <a:p>
+            <a:fld id="{E720CDEB-3652-4CF0-8D21-F26437BE7315}" type="slidenum">
+              <a:rPr lang="fr-CH" smtClean="0"/>
+              <a:t>15</a:t>
+            </a:fld>
+            <a:endParaRPr lang="fr-CH"/>
+          </a:p>
+        </p:txBody>
+      </p:sp>
+    </p:spTree>
+    <p:extLst>
+      <p:ext uri="{BB962C8B-B14F-4D97-AF65-F5344CB8AC3E}">
+        <p14:creationId xmlns:p14="http://schemas.microsoft.com/office/powerpoint/2010/main" val="1888283999"/>
+      </p:ext>
+    </p:extLst>
+  </p:cSld>
+  <p:clrMapOvr>
+    <a:masterClrMapping/>
+  </p:clrMapOvr>
+</p:sld>
+</file>
+
+<file path=ppt/slides/slide16.xml><?xml version="1.0" encoding="utf-8"?>
+<p:sld xmlns:a="http://schemas.openxmlformats.org/drawingml/2006/main" xmlns:r="http://schemas.openxmlformats.org/officeDocument/2006/relationships" xmlns:p="http://schemas.openxmlformats.org/presentationml/2006/main">
+  <p:cSld>
+    <p:spTree>
+      <p:nvGrpSpPr>
+        <p:cNvPr id="1" name=""/>
+        <p:cNvGrpSpPr/>
+        <p:nvPr/>
+      </p:nvGrpSpPr>
+      <p:grpSpPr>
+        <a:xfrm>
+          <a:off x="0" y="0"/>
+          <a:ext cx="0" cy="0"/>
+          <a:chOff x="0" y="0"/>
+          <a:chExt cx="0" cy="0"/>
+        </a:xfrm>
+      </p:grpSpPr>
+      <p:sp>
+        <p:nvSpPr>
+          <p:cNvPr id="2" name="Titre 1">
+            <a:extLst>
+              <a:ext uri="{FF2B5EF4-FFF2-40B4-BE49-F238E27FC236}">
                 <a16:creationId xmlns:a16="http://schemas.microsoft.com/office/drawing/2014/main" id="{68E615AB-CE39-4E63-9B21-6A5A0FAC6C7C}"/>
               </a:ext>
             </a:extLst>
@@ -4491,7 +5010,7 @@
           <a:p>
             <a:fld id="{E720CDEB-3652-4CF0-8D21-F26437BE7315}" type="slidenum">
               <a:rPr lang="fr-CH" smtClean="0"/>
-              <a:t>12</a:t>
+              <a:t>16</a:t>
             </a:fld>
             <a:endParaRPr lang="fr-CH"/>
           </a:p>
@@ -4532,7 +5051,7 @@
           <p:cNvPr id="2" name="Titre 1">
             <a:extLst>
               <a:ext uri="{FF2B5EF4-FFF2-40B4-BE49-F238E27FC236}">
-                <a16:creationId xmlns:a16="http://schemas.microsoft.com/office/drawing/2014/main" id="{73DECD27-E97D-4341-A1B1-E751E9012C01}"/>
+                <a16:creationId xmlns:a16="http://schemas.microsoft.com/office/drawing/2014/main" id="{3CF54B2D-9DE9-4AF2-AD48-667C3CC58357}"/>
               </a:ext>
             </a:extLst>
           </p:cNvPr>
@@ -4550,7 +5069,7 @@
           <a:p>
             <a:r>
               <a:rPr lang="fr-CH" dirty="0"/>
-              <a:t>Informations sur le projet</a:t>
+              <a:t>Table des matières</a:t>
             </a:r>
           </a:p>
         </p:txBody>
@@ -4560,7 +5079,7 @@
           <p:cNvPr id="3" name="Espace réservé du contenu 2">
             <a:extLst>
               <a:ext uri="{FF2B5EF4-FFF2-40B4-BE49-F238E27FC236}">
-                <a16:creationId xmlns:a16="http://schemas.microsoft.com/office/drawing/2014/main" id="{2D25791E-560E-474D-BEF3-3C9D23875F6F}"/>
+                <a16:creationId xmlns:a16="http://schemas.microsoft.com/office/drawing/2014/main" id="{5A288B8C-D72B-48A8-B967-DB220B86037C}"/>
               </a:ext>
             </a:extLst>
           </p:cNvPr>
@@ -4576,64 +5095,65 @@
           <a:bodyPr/>
           <a:lstStyle/>
           <a:p>
-            <a:pPr marL="0" indent="0">
-              <a:buNone/>
-            </a:pPr>
-            <a:r>
-              <a:rPr lang="fr-CH" dirty="0"/>
-              <a:t>«Clone» de Twitter / plateforme de microblogging.</a:t>
-            </a:r>
-          </a:p>
-          <a:p>
-            <a:pPr marL="0" indent="0">
-              <a:buNone/>
-            </a:pPr>
+            <a:r>
+              <a:rPr lang="fr-CH" dirty="0"/>
+              <a:t>Informations sur le projet</a:t>
+            </a:r>
+          </a:p>
+          <a:p>
+            <a:r>
+              <a:rPr lang="fr-CH" dirty="0"/>
+              <a:t>Technologies applicative</a:t>
+            </a:r>
+          </a:p>
+          <a:p>
+            <a:r>
+              <a:rPr lang="fr-CH" dirty="0"/>
+              <a:t>CI/CD avec GitHub Actions</a:t>
+            </a:r>
+          </a:p>
+          <a:p>
+            <a:r>
+              <a:rPr lang="fr-CH" dirty="0"/>
+              <a:t>Azure Services</a:t>
+            </a:r>
+          </a:p>
+          <a:p>
+            <a:r>
+              <a:rPr lang="fr-CH" dirty="0"/>
+              <a:t>Architecture </a:t>
+            </a:r>
+            <a:r>
+              <a:rPr lang="fr-CH" dirty="0" err="1"/>
+              <a:t>Back-End</a:t>
+            </a:r>
             <a:endParaRPr lang="fr-CH" dirty="0"/>
           </a:p>
           <a:p>
-            <a:pPr marL="0" indent="0">
-              <a:buNone/>
-            </a:pPr>
-            <a:r>
-              <a:rPr lang="fr-CH" dirty="0"/>
-              <a:t>Fonctionnalités:</a:t>
-            </a:r>
-          </a:p>
-          <a:p>
-            <a:r>
-              <a:rPr lang="fr-CH" dirty="0"/>
-              <a:t>Création/gestion de comptes utilisateurs individuels</a:t>
-            </a:r>
-          </a:p>
-          <a:p>
-            <a:r>
-              <a:rPr lang="fr-CH" dirty="0"/>
-              <a:t>Création/gestion de publications (autrement appelés «Tweets»)</a:t>
-            </a:r>
-          </a:p>
-          <a:p>
-            <a:r>
-              <a:rPr lang="fr-CH" dirty="0"/>
-              <a:t>Interactions avec d’autres utilisateurs</a:t>
-            </a:r>
-          </a:p>
-          <a:p>
-            <a:r>
-              <a:rPr lang="fr-CH" dirty="0"/>
-              <a:t>Interactions avec des publications</a:t>
-            </a:r>
-          </a:p>
-          <a:p>
-            <a:r>
-              <a:rPr lang="fr-CH" dirty="0"/>
-              <a:t>Mise en ligne de médias</a:t>
-            </a:r>
-          </a:p>
-          <a:p>
-            <a:r>
-              <a:rPr lang="fr-CH" dirty="0"/>
-              <a:t>…</a:t>
-            </a:r>
+            <a:r>
+              <a:rPr lang="fr-CH" dirty="0"/>
+              <a:t>Authentification</a:t>
+            </a:r>
+          </a:p>
+          <a:p>
+            <a:r>
+              <a:rPr lang="fr-CH" dirty="0"/>
+              <a:t>Architecture </a:t>
+            </a:r>
+            <a:r>
+              <a:rPr lang="fr-CH" dirty="0" err="1"/>
+              <a:t>Front-End</a:t>
+            </a:r>
+            <a:endParaRPr lang="fr-CH" dirty="0"/>
+          </a:p>
+          <a:p>
+            <a:r>
+              <a:rPr lang="fr-CH" dirty="0"/>
+              <a:t>Questions ?</a:t>
+            </a:r>
+          </a:p>
+          <a:p>
+            <a:endParaRPr lang="fr-CH" dirty="0"/>
           </a:p>
         </p:txBody>
       </p:sp>
@@ -4642,7 +5162,7 @@
           <p:cNvPr id="4" name="Espace réservé du numéro de diapositive 3">
             <a:extLst>
               <a:ext uri="{FF2B5EF4-FFF2-40B4-BE49-F238E27FC236}">
-                <a16:creationId xmlns:a16="http://schemas.microsoft.com/office/drawing/2014/main" id="{6288D262-5A59-4DE4-B612-2EEA34C02082}"/>
+                <a16:creationId xmlns:a16="http://schemas.microsoft.com/office/drawing/2014/main" id="{E1CB2D4F-9B15-4CAC-B15C-E8CAE7853A27}"/>
               </a:ext>
             </a:extLst>
           </p:cNvPr>
@@ -4669,7 +5189,7 @@
     </p:spTree>
     <p:extLst>
       <p:ext uri="{BB962C8B-B14F-4D97-AF65-F5344CB8AC3E}">
-        <p14:creationId xmlns:p14="http://schemas.microsoft.com/office/powerpoint/2010/main" val="111855570"/>
+        <p14:creationId xmlns:p14="http://schemas.microsoft.com/office/powerpoint/2010/main" val="3786599848"/>
       </p:ext>
     </p:extLst>
   </p:cSld>
@@ -4701,7 +5221,7 @@
           <p:cNvPr id="2" name="Titre 1">
             <a:extLst>
               <a:ext uri="{FF2B5EF4-FFF2-40B4-BE49-F238E27FC236}">
-                <a16:creationId xmlns:a16="http://schemas.microsoft.com/office/drawing/2014/main" id="{977478F7-9FF8-485D-A01B-1BBB5FEDC7E2}"/>
+                <a16:creationId xmlns:a16="http://schemas.microsoft.com/office/drawing/2014/main" id="{73DECD27-E97D-4341-A1B1-E751E9012C01}"/>
               </a:ext>
             </a:extLst>
           </p:cNvPr>
@@ -4719,7 +5239,7 @@
           <a:p>
             <a:r>
               <a:rPr lang="fr-CH" dirty="0"/>
-              <a:t>Technologies applicative</a:t>
+              <a:t>Informations sur le projet</a:t>
             </a:r>
           </a:p>
         </p:txBody>
@@ -4729,7 +5249,7 @@
           <p:cNvPr id="3" name="Espace réservé du contenu 2">
             <a:extLst>
               <a:ext uri="{FF2B5EF4-FFF2-40B4-BE49-F238E27FC236}">
-                <a16:creationId xmlns:a16="http://schemas.microsoft.com/office/drawing/2014/main" id="{7BBB74B0-32A5-4EEB-B1E0-76EE53BA3A40}"/>
+                <a16:creationId xmlns:a16="http://schemas.microsoft.com/office/drawing/2014/main" id="{2D25791E-560E-474D-BEF3-3C9D23875F6F}"/>
               </a:ext>
             </a:extLst>
           </p:cNvPr>
@@ -4750,32 +5270,13 @@
             </a:pPr>
             <a:r>
               <a:rPr lang="fr-CH" dirty="0"/>
-              <a:t>Back-End:</a:t>
-            </a:r>
-          </a:p>
-          <a:p>
-            <a:r>
-              <a:rPr lang="fr-CH" dirty="0"/>
-              <a:t>Langage/framework: .NET 5, ASP.NET Core 5</a:t>
-            </a:r>
-          </a:p>
-          <a:p>
-            <a:r>
-              <a:rPr lang="fr-CH" dirty="0" err="1"/>
-              <a:t>Database</a:t>
-            </a:r>
-            <a:r>
-              <a:rPr lang="fr-CH" dirty="0"/>
-              <a:t>: SQLite</a:t>
-            </a:r>
-          </a:p>
-          <a:p>
-            <a:r>
-              <a:rPr lang="fr-CH" dirty="0"/>
-              <a:t>ORM: EF Core</a:t>
-            </a:r>
-          </a:p>
-          <a:p>
+              <a:t>«Clone» de Twitter / plateforme de microblogging.</a:t>
+            </a:r>
+          </a:p>
+          <a:p>
+            <a:pPr marL="0" indent="0">
+              <a:buNone/>
+            </a:pPr>
             <a:endParaRPr lang="fr-CH" dirty="0"/>
           </a:p>
           <a:p>
@@ -4784,41 +5285,43 @@
             </a:pPr>
             <a:r>
               <a:rPr lang="fr-CH" dirty="0"/>
-              <a:t>Front-End:</a:t>
-            </a:r>
-          </a:p>
-          <a:p>
-            <a:r>
-              <a:rPr lang="fr-CH" dirty="0" err="1"/>
-              <a:t>Angular</a:t>
-            </a:r>
-            <a:r>
-              <a:rPr lang="fr-CH" dirty="0"/>
-              <a:t> 11.1.1</a:t>
-            </a:r>
-          </a:p>
-          <a:p>
-            <a:r>
-              <a:rPr lang="fr-CH" dirty="0" err="1"/>
-              <a:t>Angular</a:t>
-            </a:r>
-            <a:r>
-              <a:rPr lang="fr-CH" dirty="0"/>
-              <a:t> </a:t>
-            </a:r>
-            <a:r>
-              <a:rPr lang="fr-CH" dirty="0" err="1"/>
-              <a:t>Material</a:t>
-            </a:r>
-            <a:r>
-              <a:rPr lang="fr-CH" dirty="0"/>
-              <a:t> 11.1.1</a:t>
-            </a:r>
-          </a:p>
-          <a:p>
-            <a:r>
-              <a:rPr lang="fr-CH" dirty="0"/>
-              <a:t>Bootstrap 5.0.0-beta1</a:t>
+              <a:t>Fonctionnalités:</a:t>
+            </a:r>
+          </a:p>
+          <a:p>
+            <a:r>
+              <a:rPr lang="fr-CH" dirty="0"/>
+              <a:t>Création/gestion de comptes utilisateurs individuels</a:t>
+            </a:r>
+          </a:p>
+          <a:p>
+            <a:r>
+              <a:rPr lang="fr-CH" dirty="0"/>
+              <a:t>Création/gestion de publications (autrement appelés «Tweets»)</a:t>
+            </a:r>
+          </a:p>
+          <a:p>
+            <a:r>
+              <a:rPr lang="fr-CH" dirty="0"/>
+              <a:t>Interactions avec d’autres utilisateurs</a:t>
+            </a:r>
+          </a:p>
+          <a:p>
+            <a:r>
+              <a:rPr lang="fr-CH" dirty="0"/>
+              <a:t>Interactions avec des publications</a:t>
+            </a:r>
+          </a:p>
+          <a:p>
+            <a:r>
+              <a:rPr lang="fr-CH" dirty="0"/>
+              <a:t>Mise en ligne de médias</a:t>
+            </a:r>
+          </a:p>
+          <a:p>
+            <a:r>
+              <a:rPr lang="fr-CH" dirty="0"/>
+              <a:t>…</a:t>
             </a:r>
           </a:p>
         </p:txBody>
@@ -4828,7 +5331,7 @@
           <p:cNvPr id="4" name="Espace réservé du numéro de diapositive 3">
             <a:extLst>
               <a:ext uri="{FF2B5EF4-FFF2-40B4-BE49-F238E27FC236}">
-                <a16:creationId xmlns:a16="http://schemas.microsoft.com/office/drawing/2014/main" id="{81BE00A7-DCF7-456E-B813-C8449685F228}"/>
+                <a16:creationId xmlns:a16="http://schemas.microsoft.com/office/drawing/2014/main" id="{6288D262-5A59-4DE4-B612-2EEA34C02082}"/>
               </a:ext>
             </a:extLst>
           </p:cNvPr>
@@ -4855,7 +5358,7 @@
     </p:spTree>
     <p:extLst>
       <p:ext uri="{BB962C8B-B14F-4D97-AF65-F5344CB8AC3E}">
-        <p14:creationId xmlns:p14="http://schemas.microsoft.com/office/powerpoint/2010/main" val="3179092969"/>
+        <p14:creationId xmlns:p14="http://schemas.microsoft.com/office/powerpoint/2010/main" val="111855570"/>
       </p:ext>
     </p:extLst>
   </p:cSld>
@@ -4887,7 +5390,7 @@
           <p:cNvPr id="2" name="Titre 1">
             <a:extLst>
               <a:ext uri="{FF2B5EF4-FFF2-40B4-BE49-F238E27FC236}">
-                <a16:creationId xmlns:a16="http://schemas.microsoft.com/office/drawing/2014/main" id="{0215DF2E-8EF9-4D16-9EE5-3EB04018DD01}"/>
+                <a16:creationId xmlns:a16="http://schemas.microsoft.com/office/drawing/2014/main" id="{977478F7-9FF8-485D-A01B-1BBB5FEDC7E2}"/>
               </a:ext>
             </a:extLst>
           </p:cNvPr>
@@ -4905,7 +5408,7 @@
           <a:p>
             <a:r>
               <a:rPr lang="fr-CH" dirty="0"/>
-              <a:t>CI/CD avec GitHub Actions</a:t>
+              <a:t>Technologies applicative</a:t>
             </a:r>
           </a:p>
         </p:txBody>
@@ -4915,7 +5418,7 @@
           <p:cNvPr id="3" name="Espace réservé du contenu 2">
             <a:extLst>
               <a:ext uri="{FF2B5EF4-FFF2-40B4-BE49-F238E27FC236}">
-                <a16:creationId xmlns:a16="http://schemas.microsoft.com/office/drawing/2014/main" id="{900162A5-B296-4F8F-AEDE-55F265B842F6}"/>
+                <a16:creationId xmlns:a16="http://schemas.microsoft.com/office/drawing/2014/main" id="{7BBB74B0-32A5-4EEB-B1E0-76EE53BA3A40}"/>
               </a:ext>
             </a:extLst>
           </p:cNvPr>
@@ -4936,70 +5439,88 @@
             </a:pPr>
             <a:r>
               <a:rPr lang="fr-CH" dirty="0"/>
-              <a:t>Pipelines GitHub Actions:</a:t>
-            </a:r>
-          </a:p>
-          <a:p>
-            <a:r>
-              <a:rPr lang="fr-CH" dirty="0"/>
-              <a:t>.NET</a:t>
-            </a:r>
-          </a:p>
-          <a:p>
-            <a:pPr lvl="1"/>
-            <a:r>
-              <a:rPr lang="fr-CH" dirty="0"/>
-              <a:t>Restore</a:t>
-            </a:r>
-          </a:p>
-          <a:p>
-            <a:pPr lvl="1"/>
-            <a:r>
-              <a:rPr lang="fr-CH" dirty="0"/>
-              <a:t>Build</a:t>
-            </a:r>
-          </a:p>
-          <a:p>
-            <a:pPr lvl="1"/>
-            <a:r>
-              <a:rPr lang="fr-CH" dirty="0"/>
-              <a:t>Test</a:t>
-            </a:r>
-          </a:p>
-          <a:p>
-            <a:pPr lvl="1"/>
+              <a:t>Back-End:</a:t>
+            </a:r>
+          </a:p>
+          <a:p>
+            <a:r>
+              <a:rPr lang="fr-CH" dirty="0"/>
+              <a:t>Langage/framework: .NET 5, ASP.NET Core 5</a:t>
+            </a:r>
+          </a:p>
+          <a:p>
             <a:r>
               <a:rPr lang="fr-CH" dirty="0" err="1"/>
-              <a:t>Deploy</a:t>
-            </a:r>
+              <a:t>Database</a:t>
+            </a:r>
+            <a:r>
+              <a:rPr lang="fr-CH" dirty="0"/>
+              <a:t>: SQLite</a:t>
+            </a:r>
+          </a:p>
+          <a:p>
+            <a:r>
+              <a:rPr lang="fr-CH" dirty="0"/>
+              <a:t>ORM: EF Core</a:t>
+            </a:r>
+          </a:p>
+          <a:p>
             <a:endParaRPr lang="fr-CH" dirty="0"/>
+          </a:p>
+          <a:p>
+            <a:pPr marL="0" indent="0">
+              <a:buNone/>
+            </a:pPr>
+            <a:r>
+              <a:rPr lang="fr-CH" dirty="0"/>
+              <a:t>Front-End:</a:t>
+            </a:r>
           </a:p>
           <a:p>
             <a:r>
               <a:rPr lang="fr-CH" dirty="0" err="1"/>
               <a:t>Angular</a:t>
             </a:r>
+            <a:r>
+              <a:rPr lang="fr-CH" dirty="0"/>
+              <a:t> 11.1.1</a:t>
+            </a:r>
+          </a:p>
+          <a:p>
+            <a:r>
+              <a:rPr lang="fr-CH" dirty="0" err="1"/>
+              <a:t>Angular</a:t>
+            </a:r>
+            <a:r>
+              <a:rPr lang="fr-CH" dirty="0"/>
+              <a:t> </a:t>
+            </a:r>
+            <a:r>
+              <a:rPr lang="fr-CH" dirty="0" err="1"/>
+              <a:t>Material</a:t>
+            </a:r>
+            <a:r>
+              <a:rPr lang="fr-CH" dirty="0"/>
+              <a:t> 11.1.1</a:t>
+            </a:r>
+          </a:p>
+          <a:p>
+            <a:r>
+              <a:rPr lang="fr-CH" dirty="0" err="1"/>
+              <a:t>MomentJS</a:t>
+            </a:r>
             <a:endParaRPr lang="fr-CH" dirty="0"/>
           </a:p>
           <a:p>
-            <a:pPr lvl="1"/>
-            <a:r>
-              <a:rPr lang="fr-CH" dirty="0"/>
-              <a:t>Restore</a:t>
-            </a:r>
-          </a:p>
-          <a:p>
-            <a:pPr lvl="1"/>
-            <a:r>
-              <a:rPr lang="fr-CH" dirty="0"/>
-              <a:t>Build</a:t>
-            </a:r>
-          </a:p>
-          <a:p>
-            <a:pPr lvl="1"/>
+            <a:r>
+              <a:rPr lang="fr-CH" dirty="0"/>
+              <a:t>Bootstrap 5.0.0-beta1</a:t>
+            </a:r>
+          </a:p>
+          <a:p>
             <a:r>
               <a:rPr lang="fr-CH" dirty="0" err="1"/>
-              <a:t>Deploy</a:t>
+              <a:t>Videogular</a:t>
             </a:r>
             <a:endParaRPr lang="fr-CH" dirty="0"/>
           </a:p>
@@ -5010,7 +5531,7 @@
           <p:cNvPr id="4" name="Espace réservé du numéro de diapositive 3">
             <a:extLst>
               <a:ext uri="{FF2B5EF4-FFF2-40B4-BE49-F238E27FC236}">
-                <a16:creationId xmlns:a16="http://schemas.microsoft.com/office/drawing/2014/main" id="{F6048F4E-0843-4331-B1BE-B95512CF2465}"/>
+                <a16:creationId xmlns:a16="http://schemas.microsoft.com/office/drawing/2014/main" id="{81BE00A7-DCF7-456E-B813-C8449685F228}"/>
               </a:ext>
             </a:extLst>
           </p:cNvPr>
@@ -5037,7 +5558,7 @@
     </p:spTree>
     <p:extLst>
       <p:ext uri="{BB962C8B-B14F-4D97-AF65-F5344CB8AC3E}">
-        <p14:creationId xmlns:p14="http://schemas.microsoft.com/office/powerpoint/2010/main" val="2706841905"/>
+        <p14:creationId xmlns:p14="http://schemas.microsoft.com/office/powerpoint/2010/main" val="3179092969"/>
       </p:ext>
     </p:extLst>
   </p:cSld>
@@ -5069,7 +5590,7 @@
           <p:cNvPr id="2" name="Titre 1">
             <a:extLst>
               <a:ext uri="{FF2B5EF4-FFF2-40B4-BE49-F238E27FC236}">
-                <a16:creationId xmlns:a16="http://schemas.microsoft.com/office/drawing/2014/main" id="{2FF08F63-DD4F-433A-A0D3-F4185B487D13}"/>
+                <a16:creationId xmlns:a16="http://schemas.microsoft.com/office/drawing/2014/main" id="{0215DF2E-8EF9-4D16-9EE5-3EB04018DD01}"/>
               </a:ext>
             </a:extLst>
           </p:cNvPr>
@@ -5087,52 +5608,112 @@
           <a:p>
             <a:r>
               <a:rPr lang="fr-CH" dirty="0"/>
-              <a:t>Diagramme CI/CD</a:t>
-            </a:r>
-          </a:p>
-        </p:txBody>
-      </p:sp>
-      <p:pic>
-        <p:nvPicPr>
-          <p:cNvPr id="5" name="Espace réservé du contenu 4">
+              <a:t>CI/CD avec GitHub Actions</a:t>
+            </a:r>
+          </a:p>
+        </p:txBody>
+      </p:sp>
+      <p:sp>
+        <p:nvSpPr>
+          <p:cNvPr id="3" name="Espace réservé du contenu 2">
             <a:extLst>
               <a:ext uri="{FF2B5EF4-FFF2-40B4-BE49-F238E27FC236}">
-                <a16:creationId xmlns:a16="http://schemas.microsoft.com/office/drawing/2014/main" id="{81E7685A-5F4D-4CE7-9C0E-21AD08E7FF72}"/>
+                <a16:creationId xmlns:a16="http://schemas.microsoft.com/office/drawing/2014/main" id="{900162A5-B296-4F8F-AEDE-55F265B842F6}"/>
               </a:ext>
             </a:extLst>
           </p:cNvPr>
-          <p:cNvPicPr>
-            <a:picLocks noGrp="1" noChangeAspect="1"/>
-          </p:cNvPicPr>
+          <p:cNvSpPr>
+            <a:spLocks noGrp="1"/>
+          </p:cNvSpPr>
           <p:nvPr>
             <p:ph idx="1"/>
           </p:nvPr>
-        </p:nvPicPr>
-        <p:blipFill>
-          <a:blip r:embed="rId3">
-            <a:extLst>
-              <a:ext uri="{28A0092B-C50C-407E-A947-70E740481C1C}">
-                <a14:useLocalDpi xmlns:a14="http://schemas.microsoft.com/office/drawing/2010/main" val="0"/>
-              </a:ext>
-            </a:extLst>
-          </a:blip>
-          <a:stretch>
-            <a:fillRect/>
-          </a:stretch>
-        </p:blipFill>
-        <p:spPr>
-          <a:xfrm>
-            <a:off x="4806950" y="2371725"/>
-            <a:ext cx="5438775" cy="2105025"/>
-          </a:xfrm>
-        </p:spPr>
-      </p:pic>
-      <p:sp>
-        <p:nvSpPr>
-          <p:cNvPr id="3" name="Espace réservé du numéro de diapositive 2">
+        </p:nvSpPr>
+        <p:spPr/>
+        <p:txBody>
+          <a:bodyPr/>
+          <a:lstStyle/>
+          <a:p>
+            <a:pPr marL="0" indent="0">
+              <a:buNone/>
+            </a:pPr>
+            <a:r>
+              <a:rPr lang="fr-CH" dirty="0"/>
+              <a:t>Pipelines GitHub Actions:</a:t>
+            </a:r>
+          </a:p>
+          <a:p>
+            <a:r>
+              <a:rPr lang="fr-CH" dirty="0"/>
+              <a:t>.NET</a:t>
+            </a:r>
+          </a:p>
+          <a:p>
+            <a:pPr lvl="1"/>
+            <a:r>
+              <a:rPr lang="fr-CH" dirty="0"/>
+              <a:t>Restore</a:t>
+            </a:r>
+          </a:p>
+          <a:p>
+            <a:pPr lvl="1"/>
+            <a:r>
+              <a:rPr lang="fr-CH" dirty="0"/>
+              <a:t>Build</a:t>
+            </a:r>
+          </a:p>
+          <a:p>
+            <a:pPr lvl="1"/>
+            <a:r>
+              <a:rPr lang="fr-CH" dirty="0"/>
+              <a:t>Test</a:t>
+            </a:r>
+          </a:p>
+          <a:p>
+            <a:pPr lvl="1"/>
+            <a:r>
+              <a:rPr lang="fr-CH" dirty="0" err="1"/>
+              <a:t>Deploy</a:t>
+            </a:r>
+            <a:endParaRPr lang="fr-CH" dirty="0"/>
+          </a:p>
+          <a:p>
+            <a:r>
+              <a:rPr lang="fr-CH" dirty="0" err="1"/>
+              <a:t>Angular</a:t>
+            </a:r>
+            <a:endParaRPr lang="fr-CH" dirty="0"/>
+          </a:p>
+          <a:p>
+            <a:pPr lvl="1"/>
+            <a:r>
+              <a:rPr lang="fr-CH" dirty="0"/>
+              <a:t>Restore</a:t>
+            </a:r>
+          </a:p>
+          <a:p>
+            <a:pPr lvl="1"/>
+            <a:r>
+              <a:rPr lang="fr-CH" dirty="0"/>
+              <a:t>Build</a:t>
+            </a:r>
+          </a:p>
+          <a:p>
+            <a:pPr lvl="1"/>
+            <a:r>
+              <a:rPr lang="fr-CH" dirty="0" err="1"/>
+              <a:t>Deploy</a:t>
+            </a:r>
+            <a:endParaRPr lang="fr-CH" dirty="0"/>
+          </a:p>
+        </p:txBody>
+      </p:sp>
+      <p:sp>
+        <p:nvSpPr>
+          <p:cNvPr id="4" name="Espace réservé du numéro de diapositive 3">
             <a:extLst>
               <a:ext uri="{FF2B5EF4-FFF2-40B4-BE49-F238E27FC236}">
-                <a16:creationId xmlns:a16="http://schemas.microsoft.com/office/drawing/2014/main" id="{38C67444-346D-4C53-A5EF-6E7ECAF10FE7}"/>
+                <a16:creationId xmlns:a16="http://schemas.microsoft.com/office/drawing/2014/main" id="{F6048F4E-0843-4331-B1BE-B95512CF2465}"/>
               </a:ext>
             </a:extLst>
           </p:cNvPr>
@@ -5159,7 +5740,7 @@
     </p:spTree>
     <p:extLst>
       <p:ext uri="{BB962C8B-B14F-4D97-AF65-F5344CB8AC3E}">
-        <p14:creationId xmlns:p14="http://schemas.microsoft.com/office/powerpoint/2010/main" val="2802908500"/>
+        <p14:creationId xmlns:p14="http://schemas.microsoft.com/office/powerpoint/2010/main" val="2706841905"/>
       </p:ext>
     </p:extLst>
   </p:cSld>
@@ -5191,7 +5772,7 @@
           <p:cNvPr id="2" name="Titre 1">
             <a:extLst>
               <a:ext uri="{FF2B5EF4-FFF2-40B4-BE49-F238E27FC236}">
-                <a16:creationId xmlns:a16="http://schemas.microsoft.com/office/drawing/2014/main" id="{DCC24945-997E-40D7-8D7B-238043796CA9}"/>
+                <a16:creationId xmlns:a16="http://schemas.microsoft.com/office/drawing/2014/main" id="{2FF08F63-DD4F-433A-A0D3-F4185B487D13}"/>
               </a:ext>
             </a:extLst>
           </p:cNvPr>
@@ -5209,70 +5790,52 @@
           <a:p>
             <a:r>
               <a:rPr lang="fr-CH" dirty="0"/>
-              <a:t>Azure Services</a:t>
-            </a:r>
-          </a:p>
-        </p:txBody>
-      </p:sp>
-      <p:sp>
-        <p:nvSpPr>
-          <p:cNvPr id="3" name="Espace réservé du contenu 2">
+              <a:t>Diagramme CI/CD</a:t>
+            </a:r>
+          </a:p>
+        </p:txBody>
+      </p:sp>
+      <p:pic>
+        <p:nvPicPr>
+          <p:cNvPr id="5" name="Espace réservé du contenu 4">
             <a:extLst>
               <a:ext uri="{FF2B5EF4-FFF2-40B4-BE49-F238E27FC236}">
-                <a16:creationId xmlns:a16="http://schemas.microsoft.com/office/drawing/2014/main" id="{B212FEB3-E299-47CF-8C31-43681E3249C8}"/>
+                <a16:creationId xmlns:a16="http://schemas.microsoft.com/office/drawing/2014/main" id="{81E7685A-5F4D-4CE7-9C0E-21AD08E7FF72}"/>
               </a:ext>
             </a:extLst>
           </p:cNvPr>
-          <p:cNvSpPr>
-            <a:spLocks noGrp="1"/>
-          </p:cNvSpPr>
+          <p:cNvPicPr>
+            <a:picLocks noGrp="1" noChangeAspect="1"/>
+          </p:cNvPicPr>
           <p:nvPr>
             <p:ph idx="1"/>
           </p:nvPr>
-        </p:nvSpPr>
-        <p:spPr/>
-        <p:txBody>
-          <a:bodyPr/>
-          <a:lstStyle/>
-          <a:p>
-            <a:r>
-              <a:rPr lang="fr-CH" dirty="0"/>
-              <a:t>Azure Web App Service</a:t>
-            </a:r>
-          </a:p>
-          <a:p>
-            <a:r>
-              <a:rPr lang="fr-CH" dirty="0"/>
-              <a:t>Azure Static Web Apps</a:t>
-            </a:r>
-          </a:p>
-          <a:p>
-            <a:r>
-              <a:rPr lang="fr-CH" dirty="0"/>
-              <a:t>Azure Application Insights</a:t>
-            </a:r>
-          </a:p>
-          <a:p>
-            <a:r>
-              <a:rPr lang="fr-CH" dirty="0"/>
-              <a:t>Azure Blob Storage</a:t>
-            </a:r>
-          </a:p>
-          <a:p>
-            <a:pPr lvl="1"/>
-            <a:r>
-              <a:rPr lang="fr-CH" dirty="0"/>
-              <a:t>Azure Content Delivery Network (CDN)</a:t>
-            </a:r>
-          </a:p>
-        </p:txBody>
-      </p:sp>
-      <p:sp>
-        <p:nvSpPr>
-          <p:cNvPr id="4" name="Espace réservé du numéro de diapositive 3">
+        </p:nvPicPr>
+        <p:blipFill>
+          <a:blip r:embed="rId3">
+            <a:extLst>
+              <a:ext uri="{28A0092B-C50C-407E-A947-70E740481C1C}">
+                <a14:useLocalDpi xmlns:a14="http://schemas.microsoft.com/office/drawing/2010/main" val="0"/>
+              </a:ext>
+            </a:extLst>
+          </a:blip>
+          <a:stretch>
+            <a:fillRect/>
+          </a:stretch>
+        </p:blipFill>
+        <p:spPr>
+          <a:xfrm>
+            <a:off x="4806950" y="2371725"/>
+            <a:ext cx="5438775" cy="2105025"/>
+          </a:xfrm>
+        </p:spPr>
+      </p:pic>
+      <p:sp>
+        <p:nvSpPr>
+          <p:cNvPr id="3" name="Espace réservé du numéro de diapositive 2">
             <a:extLst>
               <a:ext uri="{FF2B5EF4-FFF2-40B4-BE49-F238E27FC236}">
-                <a16:creationId xmlns:a16="http://schemas.microsoft.com/office/drawing/2014/main" id="{070C7D52-5C70-4132-98DE-8567C9F06154}"/>
+                <a16:creationId xmlns:a16="http://schemas.microsoft.com/office/drawing/2014/main" id="{38C67444-346D-4C53-A5EF-6E7ECAF10FE7}"/>
               </a:ext>
             </a:extLst>
           </p:cNvPr>
@@ -5299,7 +5862,7 @@
     </p:spTree>
     <p:extLst>
       <p:ext uri="{BB962C8B-B14F-4D97-AF65-F5344CB8AC3E}">
-        <p14:creationId xmlns:p14="http://schemas.microsoft.com/office/powerpoint/2010/main" val="3755223784"/>
+        <p14:creationId xmlns:p14="http://schemas.microsoft.com/office/powerpoint/2010/main" val="2802908500"/>
       </p:ext>
     </p:extLst>
   </p:cSld>
@@ -5331,7 +5894,7 @@
           <p:cNvPr id="2" name="Titre 1">
             <a:extLst>
               <a:ext uri="{FF2B5EF4-FFF2-40B4-BE49-F238E27FC236}">
-                <a16:creationId xmlns:a16="http://schemas.microsoft.com/office/drawing/2014/main" id="{1934C2CB-699F-407F-A7B3-02AE62E09850}"/>
+                <a16:creationId xmlns:a16="http://schemas.microsoft.com/office/drawing/2014/main" id="{DCC24945-997E-40D7-8D7B-238043796CA9}"/>
               </a:ext>
             </a:extLst>
           </p:cNvPr>
@@ -5349,7 +5912,7 @@
           <a:p>
             <a:r>
               <a:rPr lang="fr-CH" dirty="0"/>
-              <a:t>Architecture Back-End</a:t>
+              <a:t>Azure Services</a:t>
             </a:r>
           </a:p>
         </p:txBody>
@@ -5359,7 +5922,7 @@
           <p:cNvPr id="3" name="Espace réservé du contenu 2">
             <a:extLst>
               <a:ext uri="{FF2B5EF4-FFF2-40B4-BE49-F238E27FC236}">
-                <a16:creationId xmlns:a16="http://schemas.microsoft.com/office/drawing/2014/main" id="{A2EF07C3-BBAF-4693-BD18-82E4AF59B70C}"/>
+                <a16:creationId xmlns:a16="http://schemas.microsoft.com/office/drawing/2014/main" id="{B212FEB3-E299-47CF-8C31-43681E3249C8}"/>
               </a:ext>
             </a:extLst>
           </p:cNvPr>
@@ -5370,113 +5933,40 @@
             <p:ph idx="1"/>
           </p:nvPr>
         </p:nvSpPr>
-        <p:spPr>
-          <a:xfrm>
-            <a:off x="3869268" y="864108"/>
-            <a:ext cx="7605556" cy="5120640"/>
-          </a:xfrm>
-        </p:spPr>
-        <p:txBody>
-          <a:bodyPr/>
-          <a:lstStyle/>
-          <a:p>
-            <a:r>
-              <a:rPr lang="fr-CH" dirty="0" err="1"/>
-              <a:t>Authentication</a:t>
-            </a:r>
-            <a:r>
-              <a:rPr lang="fr-CH" dirty="0"/>
-              <a:t>: Divers utilitaires pour l’authentification</a:t>
-            </a:r>
-          </a:p>
-          <a:p>
-            <a:r>
-              <a:rPr lang="fr-CH" dirty="0"/>
-              <a:t>Controllers:</a:t>
+        <p:spPr/>
+        <p:txBody>
+          <a:bodyPr/>
+          <a:lstStyle/>
+          <a:p>
+            <a:r>
+              <a:rPr lang="fr-CH" dirty="0"/>
+              <a:t>Azure Web App Service</a:t>
+            </a:r>
+          </a:p>
+          <a:p>
+            <a:r>
+              <a:rPr lang="fr-CH" dirty="0"/>
+              <a:t>Azure Static Web Apps</a:t>
+            </a:r>
+          </a:p>
+          <a:p>
+            <a:r>
+              <a:rPr lang="fr-CH" dirty="0"/>
+              <a:t>Azure Application Insights</a:t>
+            </a:r>
+          </a:p>
+          <a:p>
+            <a:r>
+              <a:rPr lang="fr-CH" dirty="0"/>
+              <a:t>Azure Blob Storage</a:t>
             </a:r>
           </a:p>
           <a:p>
             <a:pPr lvl="1"/>
             <a:r>
-              <a:rPr lang="fr-CH" dirty="0" err="1"/>
-              <a:t>FeedController</a:t>
-            </a:r>
-            <a:r>
-              <a:rPr lang="fr-CH" dirty="0"/>
-              <a:t>, </a:t>
-            </a:r>
-            <a:r>
-              <a:rPr lang="fr-CH" dirty="0" err="1"/>
-              <a:t>MediaController</a:t>
-            </a:r>
-            <a:r>
-              <a:rPr lang="fr-CH" dirty="0"/>
-              <a:t>, </a:t>
-            </a:r>
-            <a:r>
-              <a:rPr lang="fr-CH" dirty="0" err="1"/>
-              <a:t>PublicationController</a:t>
-            </a:r>
-            <a:r>
-              <a:rPr lang="fr-CH" dirty="0"/>
-              <a:t>, </a:t>
-            </a:r>
-            <a:r>
-              <a:rPr lang="fr-CH" dirty="0" err="1"/>
-              <a:t>UserController</a:t>
-            </a:r>
-            <a:endParaRPr lang="fr-CH" dirty="0"/>
-          </a:p>
-          <a:p>
-            <a:r>
-              <a:rPr lang="fr-CH" dirty="0"/>
-              <a:t>Repositories:</a:t>
-            </a:r>
-          </a:p>
-          <a:p>
-            <a:pPr lvl="1"/>
-            <a:r>
-              <a:rPr lang="fr-CH" dirty="0" err="1"/>
-              <a:t>FeedRepository</a:t>
-            </a:r>
-            <a:r>
-              <a:rPr lang="fr-CH" dirty="0"/>
-              <a:t>, </a:t>
-            </a:r>
-            <a:r>
-              <a:rPr lang="fr-CH" dirty="0" err="1"/>
-              <a:t>AzureBlobStorageRepository</a:t>
-            </a:r>
-            <a:r>
-              <a:rPr lang="fr-CH" dirty="0"/>
-              <a:t>, etc…</a:t>
-            </a:r>
-          </a:p>
-          <a:p>
-            <a:r>
-              <a:rPr lang="fr-CH" dirty="0"/>
-              <a:t>Services: les mêmes, + </a:t>
-            </a:r>
-            <a:r>
-              <a:rPr lang="fr-CH" dirty="0" err="1"/>
-              <a:t>DefaultExceptionHandlerService</a:t>
-            </a:r>
-            <a:endParaRPr lang="fr-CH" dirty="0"/>
-          </a:p>
-          <a:p>
-            <a:r>
-              <a:rPr lang="fr-CH" dirty="0" err="1"/>
-              <a:t>Validators</a:t>
-            </a:r>
-            <a:endParaRPr lang="fr-CH" dirty="0"/>
-          </a:p>
-          <a:p>
-            <a:pPr lvl="1"/>
-            <a:r>
-              <a:rPr lang="fr-CH" dirty="0" err="1"/>
-              <a:t>BirthdayValidator</a:t>
-            </a:r>
-            <a:endParaRPr lang="fr-CH" dirty="0"/>
+              <a:rPr lang="fr-CH" dirty="0"/>
+              <a:t>Azure Content Delivery Network (CDN)</a:t>
+            </a:r>
           </a:p>
         </p:txBody>
       </p:sp>
@@ -5485,7 +5975,7 @@
           <p:cNvPr id="4" name="Espace réservé du numéro de diapositive 3">
             <a:extLst>
               <a:ext uri="{FF2B5EF4-FFF2-40B4-BE49-F238E27FC236}">
-                <a16:creationId xmlns:a16="http://schemas.microsoft.com/office/drawing/2014/main" id="{7A432BB5-0BF6-46E8-A53E-E3A051852B39}"/>
+                <a16:creationId xmlns:a16="http://schemas.microsoft.com/office/drawing/2014/main" id="{070C7D52-5C70-4132-98DE-8567C9F06154}"/>
               </a:ext>
             </a:extLst>
           </p:cNvPr>
@@ -5512,7 +6002,7 @@
     </p:spTree>
     <p:extLst>
       <p:ext uri="{BB962C8B-B14F-4D97-AF65-F5344CB8AC3E}">
-        <p14:creationId xmlns:p14="http://schemas.microsoft.com/office/powerpoint/2010/main" val="4241205226"/>
+        <p14:creationId xmlns:p14="http://schemas.microsoft.com/office/powerpoint/2010/main" val="3755223784"/>
       </p:ext>
     </p:extLst>
   </p:cSld>
@@ -5544,7 +6034,7 @@
           <p:cNvPr id="2" name="Titre 1">
             <a:extLst>
               <a:ext uri="{FF2B5EF4-FFF2-40B4-BE49-F238E27FC236}">
-                <a16:creationId xmlns:a16="http://schemas.microsoft.com/office/drawing/2014/main" id="{50301169-25B2-416A-AA12-93B85D92D106}"/>
+                <a16:creationId xmlns:a16="http://schemas.microsoft.com/office/drawing/2014/main" id="{1934C2CB-699F-407F-A7B3-02AE62E09850}"/>
               </a:ext>
             </a:extLst>
           </p:cNvPr>
@@ -5555,58 +6045,150 @@
             <p:ph type="title"/>
           </p:nvPr>
         </p:nvSpPr>
-        <p:spPr>
-          <a:xfrm>
-            <a:off x="181201" y="1128408"/>
-            <a:ext cx="3135740" cy="4601183"/>
-          </a:xfrm>
-        </p:spPr>
-        <p:txBody>
-          <a:bodyPr/>
-          <a:lstStyle/>
-          <a:p>
-            <a:r>
-              <a:rPr lang="fr-CH" dirty="0"/>
-              <a:t>Implémentation</a:t>
-            </a:r>
-          </a:p>
-        </p:txBody>
-      </p:sp>
-      <p:pic>
-        <p:nvPicPr>
-          <p:cNvPr id="5" name="Espace réservé du contenu 4">
+        <p:spPr/>
+        <p:txBody>
+          <a:bodyPr/>
+          <a:lstStyle/>
+          <a:p>
+            <a:r>
+              <a:rPr lang="fr-CH" dirty="0"/>
+              <a:t>Architecture Back-End</a:t>
+            </a:r>
+          </a:p>
+        </p:txBody>
+      </p:sp>
+      <p:sp>
+        <p:nvSpPr>
+          <p:cNvPr id="3" name="Espace réservé du contenu 2">
             <a:extLst>
               <a:ext uri="{FF2B5EF4-FFF2-40B4-BE49-F238E27FC236}">
-                <a16:creationId xmlns:a16="http://schemas.microsoft.com/office/drawing/2014/main" id="{A2340D9F-5924-45AE-9193-7779F1F3E15A}"/>
+                <a16:creationId xmlns:a16="http://schemas.microsoft.com/office/drawing/2014/main" id="{A2EF07C3-BBAF-4693-BD18-82E4AF59B70C}"/>
               </a:ext>
             </a:extLst>
           </p:cNvPr>
-          <p:cNvPicPr>
-            <a:picLocks noGrp="1" noChangeAspect="1"/>
-          </p:cNvPicPr>
+          <p:cNvSpPr>
+            <a:spLocks noGrp="1"/>
+          </p:cNvSpPr>
           <p:nvPr>
             <p:ph idx="1"/>
           </p:nvPr>
-        </p:nvPicPr>
-        <p:blipFill>
-          <a:blip r:embed="rId3"/>
-          <a:stretch>
-            <a:fillRect/>
-          </a:stretch>
-        </p:blipFill>
+        </p:nvSpPr>
         <p:spPr>
           <a:xfrm>
-            <a:off x="3750690" y="1513726"/>
-            <a:ext cx="7634767" cy="3830547"/>
+            <a:off x="3869268" y="864108"/>
+            <a:ext cx="7605556" cy="5120640"/>
           </a:xfrm>
         </p:spPr>
-      </p:pic>
-      <p:sp>
-        <p:nvSpPr>
-          <p:cNvPr id="3" name="Espace réservé du numéro de diapositive 2">
+        <p:txBody>
+          <a:bodyPr/>
+          <a:lstStyle/>
+          <a:p>
+            <a:r>
+              <a:rPr lang="fr-CH" dirty="0" err="1"/>
+              <a:t>Authentication</a:t>
+            </a:r>
+            <a:r>
+              <a:rPr lang="fr-CH" dirty="0"/>
+              <a:t>: Divers utilitaires pour l’authentification</a:t>
+            </a:r>
+          </a:p>
+          <a:p>
+            <a:r>
+              <a:rPr lang="fr-CH" dirty="0"/>
+              <a:t>Controllers:</a:t>
+            </a:r>
+          </a:p>
+          <a:p>
+            <a:pPr lvl="1"/>
+            <a:r>
+              <a:rPr lang="fr-CH" dirty="0" err="1"/>
+              <a:t>FeedController</a:t>
+            </a:r>
+            <a:r>
+              <a:rPr lang="fr-CH" dirty="0"/>
+              <a:t>, </a:t>
+            </a:r>
+            <a:r>
+              <a:rPr lang="fr-CH" dirty="0" err="1"/>
+              <a:t>MediaController</a:t>
+            </a:r>
+            <a:r>
+              <a:rPr lang="fr-CH" dirty="0"/>
+              <a:t>, </a:t>
+            </a:r>
+            <a:r>
+              <a:rPr lang="fr-CH" dirty="0" err="1"/>
+              <a:t>PublicationController</a:t>
+            </a:r>
+            <a:r>
+              <a:rPr lang="fr-CH" dirty="0"/>
+              <a:t>, </a:t>
+            </a:r>
+            <a:r>
+              <a:rPr lang="fr-CH" dirty="0" err="1"/>
+              <a:t>UserController</a:t>
+            </a:r>
+            <a:endParaRPr lang="fr-CH" dirty="0"/>
+          </a:p>
+          <a:p>
+            <a:r>
+              <a:rPr lang="fr-CH" dirty="0"/>
+              <a:t>Repositories:</a:t>
+            </a:r>
+          </a:p>
+          <a:p>
+            <a:pPr lvl="1"/>
+            <a:r>
+              <a:rPr lang="fr-CH" dirty="0" err="1"/>
+              <a:t>FeedRepository</a:t>
+            </a:r>
+            <a:r>
+              <a:rPr lang="fr-CH" dirty="0"/>
+              <a:t>, </a:t>
+            </a:r>
+            <a:r>
+              <a:rPr lang="fr-CH" dirty="0" err="1"/>
+              <a:t>AzureBlobStorageRepository</a:t>
+            </a:r>
+            <a:r>
+              <a:rPr lang="fr-CH" dirty="0"/>
+              <a:t>, etc…</a:t>
+            </a:r>
+          </a:p>
+          <a:p>
+            <a:r>
+              <a:rPr lang="fr-CH" dirty="0"/>
+              <a:t>Services: les mêmes, + </a:t>
+            </a:r>
+            <a:r>
+              <a:rPr lang="fr-CH" dirty="0" err="1"/>
+              <a:t>DefaultExceptionHandlerService</a:t>
+            </a:r>
+            <a:endParaRPr lang="fr-CH" dirty="0"/>
+          </a:p>
+          <a:p>
+            <a:r>
+              <a:rPr lang="fr-CH" dirty="0" err="1"/>
+              <a:t>Validators</a:t>
+            </a:r>
+            <a:endParaRPr lang="fr-CH" dirty="0"/>
+          </a:p>
+          <a:p>
+            <a:pPr lvl="1"/>
+            <a:r>
+              <a:rPr lang="fr-CH" dirty="0" err="1"/>
+              <a:t>BirthdayValidator</a:t>
+            </a:r>
+            <a:endParaRPr lang="fr-CH" dirty="0"/>
+          </a:p>
+        </p:txBody>
+      </p:sp>
+      <p:sp>
+        <p:nvSpPr>
+          <p:cNvPr id="4" name="Espace réservé du numéro de diapositive 3">
             <a:extLst>
               <a:ext uri="{FF2B5EF4-FFF2-40B4-BE49-F238E27FC236}">
-                <a16:creationId xmlns:a16="http://schemas.microsoft.com/office/drawing/2014/main" id="{6CD48245-3AB0-448B-A8B6-80EE47B9E3A1}"/>
+                <a16:creationId xmlns:a16="http://schemas.microsoft.com/office/drawing/2014/main" id="{7A432BB5-0BF6-46E8-A53E-E3A051852B39}"/>
               </a:ext>
             </a:extLst>
           </p:cNvPr>
@@ -5633,7 +6215,7 @@
     </p:spTree>
     <p:extLst>
       <p:ext uri="{BB962C8B-B14F-4D97-AF65-F5344CB8AC3E}">
-        <p14:creationId xmlns:p14="http://schemas.microsoft.com/office/powerpoint/2010/main" val="2402862292"/>
+        <p14:creationId xmlns:p14="http://schemas.microsoft.com/office/powerpoint/2010/main" val="4241205226"/>
       </p:ext>
     </p:extLst>
   </p:cSld>
@@ -5665,7 +6247,7 @@
           <p:cNvPr id="2" name="Titre 1">
             <a:extLst>
               <a:ext uri="{FF2B5EF4-FFF2-40B4-BE49-F238E27FC236}">
-                <a16:creationId xmlns:a16="http://schemas.microsoft.com/office/drawing/2014/main" id="{5C835713-A570-4A34-8A41-EDDDA915D120}"/>
+                <a16:creationId xmlns:a16="http://schemas.microsoft.com/office/drawing/2014/main" id="{50301169-25B2-416A-AA12-93B85D92D106}"/>
               </a:ext>
             </a:extLst>
           </p:cNvPr>
@@ -5678,8 +6260,8 @@
         </p:nvSpPr>
         <p:spPr>
           <a:xfrm>
-            <a:off x="127412" y="1128408"/>
-            <a:ext cx="3171599" cy="4601183"/>
+            <a:off x="181201" y="1128408"/>
+            <a:ext cx="3135740" cy="4601183"/>
           </a:xfrm>
         </p:spPr>
         <p:txBody>
@@ -5688,66 +6270,46 @@
           <a:p>
             <a:r>
               <a:rPr lang="fr-CH" dirty="0"/>
-              <a:t>Authentification</a:t>
-            </a:r>
-          </a:p>
-        </p:txBody>
-      </p:sp>
-      <p:sp>
-        <p:nvSpPr>
-          <p:cNvPr id="3" name="Espace réservé du contenu 2">
+              <a:t>Implémentation</a:t>
+            </a:r>
+          </a:p>
+        </p:txBody>
+      </p:sp>
+      <p:pic>
+        <p:nvPicPr>
+          <p:cNvPr id="5" name="Espace réservé du contenu 4">
             <a:extLst>
               <a:ext uri="{FF2B5EF4-FFF2-40B4-BE49-F238E27FC236}">
-                <a16:creationId xmlns:a16="http://schemas.microsoft.com/office/drawing/2014/main" id="{1364CACD-13AC-4BBC-ACA6-28DD44372C92}"/>
+                <a16:creationId xmlns:a16="http://schemas.microsoft.com/office/drawing/2014/main" id="{A2340D9F-5924-45AE-9193-7779F1F3E15A}"/>
               </a:ext>
             </a:extLst>
           </p:cNvPr>
-          <p:cNvSpPr>
-            <a:spLocks noGrp="1"/>
-          </p:cNvSpPr>
+          <p:cNvPicPr>
+            <a:picLocks noGrp="1" noChangeAspect="1"/>
+          </p:cNvPicPr>
           <p:nvPr>
             <p:ph idx="1"/>
           </p:nvPr>
-        </p:nvSpPr>
-        <p:spPr/>
-        <p:txBody>
-          <a:bodyPr/>
-          <a:lstStyle/>
-          <a:p>
-            <a:r>
-              <a:rPr lang="fr-CH" dirty="0"/>
-              <a:t>Authentification à l’aide d’un </a:t>
-            </a:r>
-            <a:r>
-              <a:rPr lang="fr-CH" dirty="0" err="1"/>
-              <a:t>Token</a:t>
-            </a:r>
-            <a:endParaRPr lang="fr-CH" dirty="0"/>
-          </a:p>
-          <a:p>
-            <a:r>
-              <a:rPr lang="fr-CH" dirty="0"/>
-              <a:t>Claims (Back-End)</a:t>
-            </a:r>
-          </a:p>
-          <a:p>
-            <a:r>
-              <a:rPr lang="fr-CH" dirty="0" err="1"/>
-              <a:t>Interceptor</a:t>
-            </a:r>
-            <a:r>
-              <a:rPr lang="fr-CH" dirty="0"/>
-              <a:t> (Front-End)</a:t>
-            </a:r>
-          </a:p>
-        </p:txBody>
-      </p:sp>
-      <p:sp>
-        <p:nvSpPr>
-          <p:cNvPr id="4" name="Espace réservé du numéro de diapositive 3">
+        </p:nvPicPr>
+        <p:blipFill>
+          <a:blip r:embed="rId3"/>
+          <a:stretch>
+            <a:fillRect/>
+          </a:stretch>
+        </p:blipFill>
+        <p:spPr>
+          <a:xfrm>
+            <a:off x="3750690" y="1513726"/>
+            <a:ext cx="7634767" cy="3830547"/>
+          </a:xfrm>
+        </p:spPr>
+      </p:pic>
+      <p:sp>
+        <p:nvSpPr>
+          <p:cNvPr id="3" name="Espace réservé du numéro de diapositive 2">
             <a:extLst>
               <a:ext uri="{FF2B5EF4-FFF2-40B4-BE49-F238E27FC236}">
-                <a16:creationId xmlns:a16="http://schemas.microsoft.com/office/drawing/2014/main" id="{9FEA9D18-760E-4A61-AAF8-D1B90B52D006}"/>
+                <a16:creationId xmlns:a16="http://schemas.microsoft.com/office/drawing/2014/main" id="{6CD48245-3AB0-448B-A8B6-80EE47B9E3A1}"/>
               </a:ext>
             </a:extLst>
           </p:cNvPr>
@@ -5774,7 +6336,7 @@
     </p:spTree>
     <p:extLst>
       <p:ext uri="{BB962C8B-B14F-4D97-AF65-F5344CB8AC3E}">
-        <p14:creationId xmlns:p14="http://schemas.microsoft.com/office/powerpoint/2010/main" val="29690006"/>
+        <p14:creationId xmlns:p14="http://schemas.microsoft.com/office/powerpoint/2010/main" val="2402862292"/>
       </p:ext>
     </p:extLst>
   </p:cSld>
